--- a/make_presentation/templates/templates/classic/_15.pptx
+++ b/make_presentation/templates/templates/classic/_15.pptx
@@ -306,7 +306,7 @@
             <a:pPr algn="r">
               <a:buNone/>
             </a:pPr>
-            <a:fld id="{4A8630CA-B366-49E2-8878-E7E58B65E728}" type="slidenum">
+            <a:fld id="{0549AAF4-7FD6-432A-9D3B-D4EAFB3EE8B1}" type="slidenum">
               <a:rPr b="0" lang="en-US" sz="1400" spc="-1" strike="noStrike">
                 <a:latin typeface="Times New Roman"/>
               </a:rPr>
@@ -354,7 +354,7 @@
         <p:spPr>
           <a:xfrm>
             <a:off x="380880" y="685800"/>
-            <a:ext cx="6092640" cy="3425760"/>
+            <a:ext cx="6092280" cy="3425400"/>
           </a:xfrm>
           <a:prstGeom prst="rect">
             <a:avLst/>
@@ -377,7 +377,7 @@
         <p:spPr>
           <a:xfrm>
             <a:off x="685800" y="4343400"/>
-            <a:ext cx="5483160" cy="4111560"/>
+            <a:ext cx="5482800" cy="4111200"/>
           </a:xfrm>
           <a:prstGeom prst="rect">
             <a:avLst/>
@@ -411,7 +411,7 @@
         <p:spPr>
           <a:xfrm>
             <a:off x="3884760" y="8685360"/>
-            <a:ext cx="2968560" cy="453960"/>
+            <a:ext cx="2968200" cy="453600"/>
           </a:xfrm>
           <a:prstGeom prst="rect">
             <a:avLst/>
@@ -447,7 +447,7 @@
               </a:lnSpc>
               <a:buNone/>
             </a:pPr>
-            <a:fld id="{DA90596B-1B0E-4061-AB78-31F9DB60853F}" type="slidenum">
+            <a:fld id="{6676A5E6-0D3F-4E01-8017-2AB1DC6DCBF6}" type="slidenum">
               <a:rPr b="0" lang="en-US" sz="1200" spc="-1" strike="noStrike">
                 <a:solidFill>
                   <a:srgbClr val="000000"/>
@@ -498,7 +498,7 @@
         <p:spPr>
           <a:xfrm>
             <a:off x="380880" y="685800"/>
-            <a:ext cx="6092640" cy="3425760"/>
+            <a:ext cx="6092280" cy="3425400"/>
           </a:xfrm>
           <a:prstGeom prst="rect">
             <a:avLst/>
@@ -521,7 +521,7 @@
         <p:spPr>
           <a:xfrm>
             <a:off x="685800" y="4343400"/>
-            <a:ext cx="5483160" cy="4111560"/>
+            <a:ext cx="5482800" cy="4111200"/>
           </a:xfrm>
           <a:prstGeom prst="rect">
             <a:avLst/>
@@ -555,7 +555,7 @@
         <p:spPr>
           <a:xfrm>
             <a:off x="3884760" y="8685360"/>
-            <a:ext cx="2968560" cy="453960"/>
+            <a:ext cx="2968200" cy="453600"/>
           </a:xfrm>
           <a:prstGeom prst="rect">
             <a:avLst/>
@@ -591,7 +591,7 @@
               </a:lnSpc>
               <a:buNone/>
             </a:pPr>
-            <a:fld id="{77AF7B3A-F1F8-4DCC-84AF-02A90164F4F3}" type="slidenum">
+            <a:fld id="{460E738E-2736-4E16-B9CD-CA3C59C8C3BD}" type="slidenum">
               <a:rPr b="0" lang="en-US" sz="1200" spc="-1" strike="noStrike">
                 <a:solidFill>
                   <a:srgbClr val="000000"/>
@@ -642,7 +642,7 @@
         <p:spPr>
           <a:xfrm>
             <a:off x="380880" y="685800"/>
-            <a:ext cx="6092640" cy="3425760"/>
+            <a:ext cx="6092280" cy="3425400"/>
           </a:xfrm>
           <a:prstGeom prst="rect">
             <a:avLst/>
@@ -665,7 +665,7 @@
         <p:spPr>
           <a:xfrm>
             <a:off x="685800" y="4343400"/>
-            <a:ext cx="5483160" cy="4111560"/>
+            <a:ext cx="5482800" cy="4111200"/>
           </a:xfrm>
           <a:prstGeom prst="rect">
             <a:avLst/>
@@ -699,7 +699,7 @@
         <p:spPr>
           <a:xfrm>
             <a:off x="3884760" y="8685360"/>
-            <a:ext cx="2968560" cy="453960"/>
+            <a:ext cx="2968200" cy="453600"/>
           </a:xfrm>
           <a:prstGeom prst="rect">
             <a:avLst/>
@@ -735,7 +735,7 @@
               </a:lnSpc>
               <a:buNone/>
             </a:pPr>
-            <a:fld id="{B52E3ABC-A14A-4470-A698-CC66193B2521}" type="slidenum">
+            <a:fld id="{144762CA-2289-45A3-A6E8-6EB94DA0FF91}" type="slidenum">
               <a:rPr b="0" lang="en-US" sz="1200" spc="-1" strike="noStrike">
                 <a:solidFill>
                   <a:srgbClr val="000000"/>
@@ -786,7 +786,7 @@
         <p:spPr>
           <a:xfrm>
             <a:off x="380880" y="685800"/>
-            <a:ext cx="6092640" cy="3425760"/>
+            <a:ext cx="6092280" cy="3425400"/>
           </a:xfrm>
           <a:prstGeom prst="rect">
             <a:avLst/>
@@ -809,7 +809,7 @@
         <p:spPr>
           <a:xfrm>
             <a:off x="685800" y="4343400"/>
-            <a:ext cx="5483160" cy="4111560"/>
+            <a:ext cx="5482800" cy="4111200"/>
           </a:xfrm>
           <a:prstGeom prst="rect">
             <a:avLst/>
@@ -843,7 +843,7 @@
         <p:spPr>
           <a:xfrm>
             <a:off x="3884760" y="8685360"/>
-            <a:ext cx="2968560" cy="453960"/>
+            <a:ext cx="2968200" cy="453600"/>
           </a:xfrm>
           <a:prstGeom prst="rect">
             <a:avLst/>
@@ -879,7 +879,7 @@
               </a:lnSpc>
               <a:buNone/>
             </a:pPr>
-            <a:fld id="{EF454D19-B386-4FF8-A8C5-3135D9BD5FAB}" type="slidenum">
+            <a:fld id="{A48386D2-9896-4C2A-BF1F-DE4EB3C170D7}" type="slidenum">
               <a:rPr b="0" lang="en-US" sz="1200" spc="-1" strike="noStrike">
                 <a:solidFill>
                   <a:srgbClr val="000000"/>
@@ -930,7 +930,7 @@
         <p:spPr>
           <a:xfrm>
             <a:off x="380880" y="685800"/>
-            <a:ext cx="6092640" cy="3425760"/>
+            <a:ext cx="6092280" cy="3425400"/>
           </a:xfrm>
           <a:prstGeom prst="rect">
             <a:avLst/>
@@ -953,7 +953,7 @@
         <p:spPr>
           <a:xfrm>
             <a:off x="685800" y="4343400"/>
-            <a:ext cx="5483160" cy="4111560"/>
+            <a:ext cx="5482800" cy="4111200"/>
           </a:xfrm>
           <a:prstGeom prst="rect">
             <a:avLst/>
@@ -987,7 +987,7 @@
         <p:spPr>
           <a:xfrm>
             <a:off x="3884760" y="8685360"/>
-            <a:ext cx="2968560" cy="453960"/>
+            <a:ext cx="2968200" cy="453600"/>
           </a:xfrm>
           <a:prstGeom prst="rect">
             <a:avLst/>
@@ -1023,7 +1023,7 @@
               </a:lnSpc>
               <a:buNone/>
             </a:pPr>
-            <a:fld id="{237EE6F2-BCA6-4264-AED5-138D588B376B}" type="slidenum">
+            <a:fld id="{EB265B94-656E-43B4-B028-17202C90CED3}" type="slidenum">
               <a:rPr b="0" lang="en-US" sz="1200" spc="-1" strike="noStrike">
                 <a:solidFill>
                   <a:srgbClr val="000000"/>
@@ -1074,7 +1074,7 @@
         <p:spPr>
           <a:xfrm>
             <a:off x="380880" y="685800"/>
-            <a:ext cx="6092640" cy="3425760"/>
+            <a:ext cx="6092280" cy="3425400"/>
           </a:xfrm>
           <a:prstGeom prst="rect">
             <a:avLst/>
@@ -1097,7 +1097,7 @@
         <p:spPr>
           <a:xfrm>
             <a:off x="685800" y="4343400"/>
-            <a:ext cx="5483160" cy="4111560"/>
+            <a:ext cx="5482800" cy="4111200"/>
           </a:xfrm>
           <a:prstGeom prst="rect">
             <a:avLst/>
@@ -1131,7 +1131,7 @@
         <p:spPr>
           <a:xfrm>
             <a:off x="3884760" y="8685360"/>
-            <a:ext cx="2968560" cy="453960"/>
+            <a:ext cx="2968200" cy="453600"/>
           </a:xfrm>
           <a:prstGeom prst="rect">
             <a:avLst/>
@@ -1167,7 +1167,7 @@
               </a:lnSpc>
               <a:buNone/>
             </a:pPr>
-            <a:fld id="{59190799-3E73-44F6-BAB9-DFAB41C0B6EF}" type="slidenum">
+            <a:fld id="{7C760EF3-8649-415E-8FA3-BB671971F74D}" type="slidenum">
               <a:rPr b="0" lang="en-US" sz="1200" spc="-1" strike="noStrike">
                 <a:solidFill>
                   <a:srgbClr val="000000"/>
@@ -1218,7 +1218,7 @@
         <p:spPr>
           <a:xfrm>
             <a:off x="380880" y="685800"/>
-            <a:ext cx="6092640" cy="3425760"/>
+            <a:ext cx="6092280" cy="3425400"/>
           </a:xfrm>
           <a:prstGeom prst="rect">
             <a:avLst/>
@@ -1241,7 +1241,7 @@
         <p:spPr>
           <a:xfrm>
             <a:off x="685800" y="4343400"/>
-            <a:ext cx="5483160" cy="4111560"/>
+            <a:ext cx="5482800" cy="4111200"/>
           </a:xfrm>
           <a:prstGeom prst="rect">
             <a:avLst/>
@@ -1275,7 +1275,7 @@
         <p:spPr>
           <a:xfrm>
             <a:off x="3884760" y="8685360"/>
-            <a:ext cx="2968560" cy="453960"/>
+            <a:ext cx="2968200" cy="453600"/>
           </a:xfrm>
           <a:prstGeom prst="rect">
             <a:avLst/>
@@ -1311,7 +1311,7 @@
               </a:lnSpc>
               <a:buNone/>
             </a:pPr>
-            <a:fld id="{125C599C-5127-4A30-85F9-2C10F2446F96}" type="slidenum">
+            <a:fld id="{A838ADC1-A9CF-4A57-AB23-CB1F9ABBEEC0}" type="slidenum">
               <a:rPr b="0" lang="en-US" sz="1200" spc="-1" strike="noStrike">
                 <a:solidFill>
                   <a:srgbClr val="000000"/>
@@ -1362,7 +1362,7 @@
         <p:spPr>
           <a:xfrm>
             <a:off x="380880" y="685800"/>
-            <a:ext cx="6092640" cy="3425760"/>
+            <a:ext cx="6092280" cy="3425400"/>
           </a:xfrm>
           <a:prstGeom prst="rect">
             <a:avLst/>
@@ -1385,7 +1385,7 @@
         <p:spPr>
           <a:xfrm>
             <a:off x="685800" y="4343400"/>
-            <a:ext cx="5483160" cy="4111560"/>
+            <a:ext cx="5482800" cy="4111200"/>
           </a:xfrm>
           <a:prstGeom prst="rect">
             <a:avLst/>
@@ -1419,7 +1419,7 @@
         <p:spPr>
           <a:xfrm>
             <a:off x="3884760" y="8685360"/>
-            <a:ext cx="2968560" cy="453960"/>
+            <a:ext cx="2968200" cy="453600"/>
           </a:xfrm>
           <a:prstGeom prst="rect">
             <a:avLst/>
@@ -1455,7 +1455,7 @@
               </a:lnSpc>
               <a:buNone/>
             </a:pPr>
-            <a:fld id="{FEC92027-59C5-4F9E-A530-4D1D756E0A28}" type="slidenum">
+            <a:fld id="{8E78BB27-B8F3-4D41-AFE3-8EE77939E0EC}" type="slidenum">
               <a:rPr b="0" lang="en-US" sz="1200" spc="-1" strike="noStrike">
                 <a:solidFill>
                   <a:srgbClr val="000000"/>
@@ -1506,7 +1506,7 @@
         <p:spPr>
           <a:xfrm>
             <a:off x="380880" y="685800"/>
-            <a:ext cx="6092640" cy="3425760"/>
+            <a:ext cx="6092280" cy="3425400"/>
           </a:xfrm>
           <a:prstGeom prst="rect">
             <a:avLst/>
@@ -1529,7 +1529,7 @@
         <p:spPr>
           <a:xfrm>
             <a:off x="685800" y="4343400"/>
-            <a:ext cx="5483160" cy="4111560"/>
+            <a:ext cx="5482800" cy="4111200"/>
           </a:xfrm>
           <a:prstGeom prst="rect">
             <a:avLst/>
@@ -1563,7 +1563,7 @@
         <p:spPr>
           <a:xfrm>
             <a:off x="3884760" y="8685360"/>
-            <a:ext cx="2968560" cy="453960"/>
+            <a:ext cx="2968200" cy="453600"/>
           </a:xfrm>
           <a:prstGeom prst="rect">
             <a:avLst/>
@@ -1599,7 +1599,7 @@
               </a:lnSpc>
               <a:buNone/>
             </a:pPr>
-            <a:fld id="{27A455FE-FF1F-447B-AF42-EC7899ECAD8D}" type="slidenum">
+            <a:fld id="{9CA3C493-F050-4698-BD17-734A7CD68D28}" type="slidenum">
               <a:rPr b="0" lang="en-US" sz="1200" spc="-1" strike="noStrike">
                 <a:solidFill>
                   <a:srgbClr val="000000"/>
@@ -1650,7 +1650,7 @@
         <p:spPr>
           <a:xfrm>
             <a:off x="380880" y="685800"/>
-            <a:ext cx="6092640" cy="3425760"/>
+            <a:ext cx="6092280" cy="3425400"/>
           </a:xfrm>
           <a:prstGeom prst="rect">
             <a:avLst/>
@@ -1673,7 +1673,7 @@
         <p:spPr>
           <a:xfrm>
             <a:off x="685800" y="4343400"/>
-            <a:ext cx="5483160" cy="4111560"/>
+            <a:ext cx="5482800" cy="4111200"/>
           </a:xfrm>
           <a:prstGeom prst="rect">
             <a:avLst/>
@@ -1707,7 +1707,7 @@
         <p:spPr>
           <a:xfrm>
             <a:off x="3884760" y="8685360"/>
-            <a:ext cx="2968560" cy="453960"/>
+            <a:ext cx="2968200" cy="453600"/>
           </a:xfrm>
           <a:prstGeom prst="rect">
             <a:avLst/>
@@ -1743,7 +1743,7 @@
               </a:lnSpc>
               <a:buNone/>
             </a:pPr>
-            <a:fld id="{CD606087-4E89-4014-BE33-8B2C4808442B}" type="slidenum">
+            <a:fld id="{0B5CEADC-EAE7-4DD1-B6AA-67C8722A9BC8}" type="slidenum">
               <a:rPr b="0" lang="en-US" sz="1200" spc="-1" strike="noStrike">
                 <a:solidFill>
                   <a:srgbClr val="000000"/>
@@ -1794,7 +1794,7 @@
         <p:spPr>
           <a:xfrm>
             <a:off x="380880" y="685800"/>
-            <a:ext cx="6092640" cy="3425760"/>
+            <a:ext cx="6092280" cy="3425400"/>
           </a:xfrm>
           <a:prstGeom prst="rect">
             <a:avLst/>
@@ -1817,7 +1817,7 @@
         <p:spPr>
           <a:xfrm>
             <a:off x="685800" y="4343400"/>
-            <a:ext cx="5483160" cy="4111560"/>
+            <a:ext cx="5482800" cy="4111200"/>
           </a:xfrm>
           <a:prstGeom prst="rect">
             <a:avLst/>
@@ -1851,7 +1851,7 @@
         <p:spPr>
           <a:xfrm>
             <a:off x="3884760" y="8685360"/>
-            <a:ext cx="2968560" cy="453960"/>
+            <a:ext cx="2968200" cy="453600"/>
           </a:xfrm>
           <a:prstGeom prst="rect">
             <a:avLst/>
@@ -1887,7 +1887,7 @@
               </a:lnSpc>
               <a:buNone/>
             </a:pPr>
-            <a:fld id="{29A102CE-0ED3-4DE6-9EE0-86A49C26E81D}" type="slidenum">
+            <a:fld id="{F9F9F0A6-8B01-4190-91ED-C070746A6377}" type="slidenum">
               <a:rPr b="0" lang="en-US" sz="1200" spc="-1" strike="noStrike">
                 <a:solidFill>
                   <a:srgbClr val="000000"/>
@@ -1938,7 +1938,7 @@
         <p:spPr>
           <a:xfrm>
             <a:off x="380880" y="685800"/>
-            <a:ext cx="6092640" cy="3425760"/>
+            <a:ext cx="6092280" cy="3425400"/>
           </a:xfrm>
           <a:prstGeom prst="rect">
             <a:avLst/>
@@ -1961,7 +1961,7 @@
         <p:spPr>
           <a:xfrm>
             <a:off x="685800" y="4343400"/>
-            <a:ext cx="5483160" cy="4111560"/>
+            <a:ext cx="5482800" cy="4111200"/>
           </a:xfrm>
           <a:prstGeom prst="rect">
             <a:avLst/>
@@ -1995,7 +1995,7 @@
         <p:spPr>
           <a:xfrm>
             <a:off x="3884760" y="8685360"/>
-            <a:ext cx="2968560" cy="453960"/>
+            <a:ext cx="2968200" cy="453600"/>
           </a:xfrm>
           <a:prstGeom prst="rect">
             <a:avLst/>
@@ -2031,7 +2031,7 @@
               </a:lnSpc>
               <a:buNone/>
             </a:pPr>
-            <a:fld id="{3F26AB90-546D-45D4-9410-29962D860571}" type="slidenum">
+            <a:fld id="{13DE9345-F57B-4A16-B024-3584D2B37165}" type="slidenum">
               <a:rPr b="0" lang="en-US" sz="1200" spc="-1" strike="noStrike">
                 <a:solidFill>
                   <a:srgbClr val="000000"/>
@@ -2082,7 +2082,7 @@
         <p:spPr>
           <a:xfrm>
             <a:off x="380880" y="685800"/>
-            <a:ext cx="6092640" cy="3425760"/>
+            <a:ext cx="6092280" cy="3425400"/>
           </a:xfrm>
           <a:prstGeom prst="rect">
             <a:avLst/>
@@ -2105,7 +2105,7 @@
         <p:spPr>
           <a:xfrm>
             <a:off x="685800" y="4343400"/>
-            <a:ext cx="5483160" cy="4111560"/>
+            <a:ext cx="5482800" cy="4111200"/>
           </a:xfrm>
           <a:prstGeom prst="rect">
             <a:avLst/>
@@ -2139,7 +2139,7 @@
         <p:spPr>
           <a:xfrm>
             <a:off x="3884760" y="8685360"/>
-            <a:ext cx="2968560" cy="453960"/>
+            <a:ext cx="2968200" cy="453600"/>
           </a:xfrm>
           <a:prstGeom prst="rect">
             <a:avLst/>
@@ -2175,7 +2175,7 @@
               </a:lnSpc>
               <a:buNone/>
             </a:pPr>
-            <a:fld id="{39BAC163-0CE7-45CD-898B-278683DFCDDB}" type="slidenum">
+            <a:fld id="{FE72F1C2-5435-4634-82E1-D8DE0E44C925}" type="slidenum">
               <a:rPr b="0" lang="en-US" sz="1200" spc="-1" strike="noStrike">
                 <a:solidFill>
                   <a:srgbClr val="000000"/>
@@ -2226,7 +2226,7 @@
         <p:spPr>
           <a:xfrm>
             <a:off x="380880" y="685800"/>
-            <a:ext cx="6092640" cy="3425760"/>
+            <a:ext cx="6092280" cy="3425400"/>
           </a:xfrm>
           <a:prstGeom prst="rect">
             <a:avLst/>
@@ -2249,7 +2249,7 @@
         <p:spPr>
           <a:xfrm>
             <a:off x="685800" y="4343400"/>
-            <a:ext cx="5483160" cy="4111560"/>
+            <a:ext cx="5482800" cy="4111200"/>
           </a:xfrm>
           <a:prstGeom prst="rect">
             <a:avLst/>
@@ -2283,7 +2283,7 @@
         <p:spPr>
           <a:xfrm>
             <a:off x="3884760" y="8685360"/>
-            <a:ext cx="2968560" cy="453960"/>
+            <a:ext cx="2968200" cy="453600"/>
           </a:xfrm>
           <a:prstGeom prst="rect">
             <a:avLst/>
@@ -2319,7 +2319,7 @@
               </a:lnSpc>
               <a:buNone/>
             </a:pPr>
-            <a:fld id="{B077AB5F-0055-4A0F-A4D4-F4831F3C91E7}" type="slidenum">
+            <a:fld id="{05F8D318-0B65-4BCB-B879-29028A2CD69A}" type="slidenum">
               <a:rPr b="0" lang="en-US" sz="1200" spc="-1" strike="noStrike">
                 <a:solidFill>
                   <a:srgbClr val="000000"/>
@@ -2370,7 +2370,7 @@
         <p:spPr>
           <a:xfrm>
             <a:off x="380880" y="685800"/>
-            <a:ext cx="6092640" cy="3425760"/>
+            <a:ext cx="6092280" cy="3425400"/>
           </a:xfrm>
           <a:prstGeom prst="rect">
             <a:avLst/>
@@ -2393,7 +2393,7 @@
         <p:spPr>
           <a:xfrm>
             <a:off x="685800" y="4343400"/>
-            <a:ext cx="5483160" cy="4111560"/>
+            <a:ext cx="5482800" cy="4111200"/>
           </a:xfrm>
           <a:prstGeom prst="rect">
             <a:avLst/>
@@ -2427,7 +2427,7 @@
         <p:spPr>
           <a:xfrm>
             <a:off x="3884760" y="8685360"/>
-            <a:ext cx="2968560" cy="453960"/>
+            <a:ext cx="2968200" cy="453600"/>
           </a:xfrm>
           <a:prstGeom prst="rect">
             <a:avLst/>
@@ -2463,7 +2463,7 @@
               </a:lnSpc>
               <a:buNone/>
             </a:pPr>
-            <a:fld id="{485CC693-1111-4D30-B945-B1CC6D5F33C9}" type="slidenum">
+            <a:fld id="{C997202A-BBA9-430D-B6C6-15126CE9B3D5}" type="slidenum">
               <a:rPr b="0" lang="en-US" sz="1200" spc="-1" strike="noStrike">
                 <a:solidFill>
                   <a:srgbClr val="000000"/>
@@ -2535,7 +2535,7 @@
         <p:txBody>
           <a:bodyPr/>
           <a:p>
-            <a:fld id="{3F1C770A-94E6-4C2D-B966-0CE1A48B1559}" type="slidenum">
+            <a:fld id="{E8D8376B-DF8B-41DB-BD56-F5B0B6690BB7}" type="slidenum">
               <a:t>&lt;#&gt;</a:t>
             </a:fld>
           </a:p>
@@ -2723,7 +2723,7 @@
         <p:txBody>
           <a:bodyPr/>
           <a:p>
-            <a:fld id="{107FD564-6E5B-49DD-8E21-74079272EA01}" type="slidenum">
+            <a:fld id="{B1F53E5E-B77A-4F32-A1C0-12FE9D933F76}" type="slidenum">
               <a:t>&lt;#&gt;</a:t>
             </a:fld>
           </a:p>
@@ -2979,7 +2979,7 @@
         <p:txBody>
           <a:bodyPr/>
           <a:p>
-            <a:fld id="{D45FFC44-4393-4972-BDD6-AF6D71D87BD5}" type="slidenum">
+            <a:fld id="{A2F6DFCB-E663-44E9-A6A3-F1DAF16FF56F}" type="slidenum">
               <a:t>&lt;#&gt;</a:t>
             </a:fld>
           </a:p>
@@ -3303,7 +3303,7 @@
         <p:txBody>
           <a:bodyPr/>
           <a:p>
-            <a:fld id="{356CBD6A-8D2A-47D7-A24F-E1C40AA578DF}" type="slidenum">
+            <a:fld id="{EAB44F15-DEF6-47DC-BCFA-F28D8D641CEB}" type="slidenum">
               <a:t>&lt;#&gt;</a:t>
             </a:fld>
           </a:p>
@@ -3460,7 +3460,7 @@
         <p:txBody>
           <a:bodyPr/>
           <a:p>
-            <a:fld id="{F5256A91-CDD5-4AA0-AE84-6F4791123619}" type="slidenum">
+            <a:fld id="{C3AF57D0-D4E3-423D-93C0-A6E53A1CA480}" type="slidenum">
               <a:t>&lt;#&gt;</a:t>
             </a:fld>
           </a:p>
@@ -3614,7 +3614,7 @@
         <p:txBody>
           <a:bodyPr/>
           <a:p>
-            <a:fld id="{FAA20E6B-3C57-401E-A248-D74EDF03BCD1}" type="slidenum">
+            <a:fld id="{A71C217A-3634-4E86-AB7D-57385398B975}" type="slidenum">
               <a:t>&lt;#&gt;</a:t>
             </a:fld>
           </a:p>
@@ -3802,7 +3802,7 @@
         <p:txBody>
           <a:bodyPr/>
           <a:p>
-            <a:fld id="{BBFF9A70-2F10-4010-972D-F5FEA94BEE58}" type="slidenum">
+            <a:fld id="{253227CD-4198-4ACD-914A-112D7D2F16B1}" type="slidenum">
               <a:t>&lt;#&gt;</a:t>
             </a:fld>
           </a:p>
@@ -3922,7 +3922,7 @@
         <p:txBody>
           <a:bodyPr/>
           <a:p>
-            <a:fld id="{7F7F9CFD-AC3F-4E16-8B54-639D41221D04}" type="slidenum">
+            <a:fld id="{076D4A91-2B00-43F1-A0D0-36BF43772CB6}" type="slidenum">
               <a:t>&lt;#&gt;</a:t>
             </a:fld>
           </a:p>
@@ -4042,7 +4042,7 @@
         <p:txBody>
           <a:bodyPr/>
           <a:p>
-            <a:fld id="{97BE3FC7-D8DA-44AC-8FDF-A0DFC0BAF763}" type="slidenum">
+            <a:fld id="{A965C59F-1014-4C25-A14F-C03270305E25}" type="slidenum">
               <a:t>&lt;#&gt;</a:t>
             </a:fld>
           </a:p>
@@ -4264,7 +4264,7 @@
         <p:txBody>
           <a:bodyPr/>
           <a:p>
-            <a:fld id="{BE5A742F-8889-4676-8A52-87A2CAE56EEA}" type="slidenum">
+            <a:fld id="{5BBEC2B7-ACA7-4437-A91C-ABFD148D0A82}" type="slidenum">
               <a:t>&lt;#&gt;</a:t>
             </a:fld>
           </a:p>
@@ -4486,7 +4486,7 @@
         <p:txBody>
           <a:bodyPr/>
           <a:p>
-            <a:fld id="{33D94CE7-C07A-4B89-ABBF-E6DD473425F1}" type="slidenum">
+            <a:fld id="{DC68CB18-BD4A-493A-8395-9E9DBC59FE64}" type="slidenum">
               <a:t>&lt;#&gt;</a:t>
             </a:fld>
           </a:p>
@@ -4708,7 +4708,7 @@
         <p:txBody>
           <a:bodyPr/>
           <a:p>
-            <a:fld id="{E04FC46A-0BCB-4F3F-ACC7-2AF148593985}" type="slidenum">
+            <a:fld id="{1615BC8F-E381-4CBF-98A9-930933AE2831}" type="slidenum">
               <a:t>&lt;#&gt;</a:t>
             </a:fld>
           </a:p>
@@ -4777,7 +4777,7 @@
         <p:spPr>
           <a:xfrm>
             <a:off x="3028680" y="4771440"/>
-            <a:ext cx="3083400" cy="271440"/>
+            <a:ext cx="3083040" cy="271080"/>
           </a:xfrm>
           <a:prstGeom prst="rect">
             <a:avLst/>
@@ -4842,7 +4842,7 @@
         <p:spPr>
           <a:xfrm>
             <a:off x="6457680" y="4771440"/>
-            <a:ext cx="2054880" cy="271440"/>
+            <a:ext cx="2054520" cy="271080"/>
           </a:xfrm>
           <a:prstGeom prst="rect">
             <a:avLst/>
@@ -4878,7 +4878,7 @@
               </a:lnSpc>
               <a:buNone/>
             </a:pPr>
-            <a:fld id="{28CF28E3-60B4-4A34-95CF-049125A68B9C}" type="slidenum">
+            <a:fld id="{487209A8-CBAD-4364-96F0-8EFBE77B49C6}" type="slidenum">
               <a:rPr b="0" lang="en-US" sz="1200" spc="-1" strike="noStrike">
                 <a:solidFill>
                   <a:srgbClr val="8b8b8b"/>
@@ -4907,7 +4907,7 @@
         <p:spPr>
           <a:xfrm>
             <a:off x="628200" y="4771440"/>
-            <a:ext cx="2054880" cy="271440"/>
+            <a:ext cx="2054520" cy="271080"/>
           </a:xfrm>
           <a:prstGeom prst="rect">
             <a:avLst/>
@@ -5219,8 +5219,8 @@
         </p:nvSpPr>
         <p:spPr>
           <a:xfrm rot="2744400">
-            <a:off x="-282240" y="-25920"/>
-            <a:ext cx="705600" cy="705240"/>
+            <a:off x="-281880" y="-25920"/>
+            <a:ext cx="705240" cy="704880"/>
           </a:xfrm>
           <a:prstGeom prst="roundRect">
             <a:avLst>
@@ -5257,8 +5257,8 @@
         </p:nvSpPr>
         <p:spPr>
           <a:xfrm rot="2625600">
-            <a:off x="6024960" y="4333680"/>
-            <a:ext cx="469440" cy="469440"/>
+            <a:off x="6024960" y="4333320"/>
+            <a:ext cx="469080" cy="469080"/>
           </a:xfrm>
           <a:prstGeom prst="roundRect">
             <a:avLst>
@@ -5295,8 +5295,8 @@
         </p:nvSpPr>
         <p:spPr>
           <a:xfrm rot="18679200">
-            <a:off x="7004880" y="948600"/>
-            <a:ext cx="4941000" cy="4667400"/>
+            <a:off x="7004520" y="948600"/>
+            <a:ext cx="4940640" cy="4667040"/>
           </a:xfrm>
           <a:prstGeom prst="roundRect">
             <a:avLst>
@@ -5334,7 +5334,7 @@
         <p:spPr>
           <a:xfrm>
             <a:off x="459720" y="4671360"/>
-            <a:ext cx="2996640" cy="267480"/>
+            <a:ext cx="2996280" cy="267120"/>
           </a:xfrm>
           <a:prstGeom prst="rect">
             <a:avLst/>
@@ -5399,8 +5399,8 @@
         </p:blipFill>
         <p:spPr>
           <a:xfrm>
-            <a:off x="2423160" y="4671720"/>
-            <a:ext cx="289080" cy="289080"/>
+            <a:off x="2971800" y="4740480"/>
+            <a:ext cx="288720" cy="288720"/>
           </a:xfrm>
           <a:prstGeom prst="rect">
             <a:avLst/>
@@ -5419,7 +5419,7 @@
         <p:spPr>
           <a:xfrm>
             <a:off x="484920" y="1681560"/>
-            <a:ext cx="5482080" cy="1883520"/>
+            <a:ext cx="5481720" cy="1883160"/>
           </a:xfrm>
           <a:prstGeom prst="rect">
             <a:avLst/>
@@ -5507,8 +5507,8 @@
         </p:nvSpPr>
         <p:spPr>
           <a:xfrm rot="2744400">
-            <a:off x="-282240" y="-25920"/>
-            <a:ext cx="705600" cy="705240"/>
+            <a:off x="-281880" y="-25920"/>
+            <a:ext cx="705240" cy="704880"/>
           </a:xfrm>
           <a:prstGeom prst="roundRect">
             <a:avLst>
@@ -5546,7 +5546,7 @@
         <p:spPr>
           <a:xfrm rot="2332200">
             <a:off x="6009480" y="-320040"/>
-            <a:ext cx="4856760" cy="7727760"/>
+            <a:ext cx="4856400" cy="7727400"/>
           </a:xfrm>
           <a:prstGeom prst="roundRect">
             <a:avLst>
@@ -5584,9 +5584,9 @@
         <p:grpSpPr>
           <a:xfrm>
             <a:off x="4571640" y="828000"/>
-            <a:ext cx="4469400" cy="3565440"/>
+            <a:ext cx="4469040" cy="3565080"/>
             <a:chOff x="4571640" y="828000"/>
-            <a:chExt cx="4469400" cy="3565440"/>
+            <a:chExt cx="4469040" cy="3565080"/>
           </a:xfrm>
         </p:grpSpPr>
         <p:pic>
@@ -5602,7 +5602,7 @@
           <p:spPr>
             <a:xfrm>
               <a:off x="4571640" y="828000"/>
-              <a:ext cx="4469400" cy="3565440"/>
+              <a:ext cx="4469040" cy="3565080"/>
             </a:xfrm>
             <a:prstGeom prst="rect">
               <a:avLst/>
@@ -5620,8 +5620,8 @@
           </p:nvSpPr>
           <p:spPr>
             <a:xfrm rot="16200000">
-              <a:off x="5962680" y="1157760"/>
-              <a:ext cx="1738440" cy="2772360"/>
+              <a:off x="5962680" y="1158120"/>
+              <a:ext cx="1738080" cy="2772000"/>
             </a:xfrm>
             <a:prstGeom prst="roundRect">
               <a:avLst>
@@ -5688,7 +5688,7 @@
         <p:spPr>
           <a:xfrm>
             <a:off x="5446080" y="1672200"/>
-            <a:ext cx="2772000" cy="1738440"/>
+            <a:ext cx="2771640" cy="1738080"/>
           </a:xfrm>
           <a:prstGeom prst="rect">
             <a:avLst/>
@@ -5740,7 +5740,7 @@
         <p:spPr>
           <a:xfrm>
             <a:off x="586440" y="1246680"/>
-            <a:ext cx="4005360" cy="3601080"/>
+            <a:ext cx="4005000" cy="3600720"/>
           </a:xfrm>
           <a:prstGeom prst="rect">
             <a:avLst/>
@@ -5792,7 +5792,7 @@
         <p:spPr>
           <a:xfrm>
             <a:off x="586440" y="453960"/>
-            <a:ext cx="4765320" cy="856440"/>
+            <a:ext cx="4764960" cy="856080"/>
           </a:xfrm>
           <a:prstGeom prst="rect">
             <a:avLst/>
@@ -5880,8 +5880,8 @@
         </p:nvSpPr>
         <p:spPr>
           <a:xfrm rot="2745600">
-            <a:off x="8349840" y="-668520"/>
-            <a:ext cx="1499400" cy="1499400"/>
+            <a:off x="8349840" y="-668160"/>
+            <a:ext cx="1499040" cy="1499040"/>
           </a:xfrm>
           <a:prstGeom prst="roundRect">
             <a:avLst>
@@ -5919,7 +5919,7 @@
         <p:spPr>
           <a:xfrm rot="2745600">
             <a:off x="7634160" y="-322920"/>
-            <a:ext cx="808200" cy="808560"/>
+            <a:ext cx="807840" cy="808200"/>
           </a:xfrm>
           <a:prstGeom prst="roundRect">
             <a:avLst>
@@ -5958,7 +5958,7 @@
         <p:spPr>
           <a:xfrm>
             <a:off x="586440" y="899640"/>
-            <a:ext cx="7932960" cy="1538280"/>
+            <a:ext cx="7932600" cy="1537920"/>
           </a:xfrm>
           <a:prstGeom prst="rect">
             <a:avLst/>
@@ -6010,7 +6010,7 @@
         <p:spPr>
           <a:xfrm>
             <a:off x="608040" y="2545560"/>
-            <a:ext cx="3713400" cy="2256840"/>
+            <a:ext cx="3713040" cy="2256480"/>
           </a:xfrm>
           <a:prstGeom prst="rect">
             <a:avLst/>
@@ -6062,7 +6062,7 @@
         <p:spPr>
           <a:xfrm>
             <a:off x="4806360" y="2545560"/>
-            <a:ext cx="3713400" cy="2256840"/>
+            <a:ext cx="3713040" cy="2256480"/>
           </a:xfrm>
           <a:prstGeom prst="rect">
             <a:avLst/>
@@ -6114,7 +6114,7 @@
         <p:spPr>
           <a:xfrm>
             <a:off x="583200" y="450720"/>
-            <a:ext cx="7199280" cy="513360"/>
+            <a:ext cx="7198920" cy="513000"/>
           </a:xfrm>
           <a:prstGeom prst="rect">
             <a:avLst/>
@@ -6196,7 +6196,7 @@
         <p:spPr>
           <a:xfrm>
             <a:off x="586440" y="1246680"/>
-            <a:ext cx="4005360" cy="3601080"/>
+            <a:ext cx="4005000" cy="3600720"/>
           </a:xfrm>
           <a:prstGeom prst="rect">
             <a:avLst/>
@@ -6248,7 +6248,7 @@
         <p:spPr>
           <a:xfrm>
             <a:off x="559800" y="446040"/>
-            <a:ext cx="4284720" cy="684720"/>
+            <a:ext cx="4284360" cy="684360"/>
           </a:xfrm>
           <a:prstGeom prst="rect">
             <a:avLst/>
@@ -6300,7 +6300,7 @@
         <p:spPr>
           <a:xfrm>
             <a:off x="5097600" y="360"/>
-            <a:ext cx="4380840" cy="5145120"/>
+            <a:ext cx="4380480" cy="5144760"/>
           </a:xfrm>
           <a:prstGeom prst="roundRect">
             <a:avLst>
@@ -6365,8 +6365,8 @@
         </p:nvSpPr>
         <p:spPr>
           <a:xfrm rot="2744400">
-            <a:off x="-282240" y="-25920"/>
-            <a:ext cx="705600" cy="705240"/>
+            <a:off x="-281880" y="-25920"/>
+            <a:ext cx="705240" cy="704880"/>
           </a:xfrm>
           <a:prstGeom prst="roundRect">
             <a:avLst>
@@ -6403,8 +6403,8 @@
         </p:nvSpPr>
         <p:spPr>
           <a:xfrm rot="2625600">
-            <a:off x="4861080" y="4147560"/>
-            <a:ext cx="469440" cy="469440"/>
+            <a:off x="4861080" y="4147200"/>
+            <a:ext cx="469080" cy="469080"/>
           </a:xfrm>
           <a:prstGeom prst="roundRect">
             <a:avLst>
@@ -6478,8 +6478,8 @@
         </p:nvSpPr>
         <p:spPr>
           <a:xfrm rot="2744400">
-            <a:off x="-351360" y="4541040"/>
-            <a:ext cx="705600" cy="705240"/>
+            <a:off x="-351000" y="4540680"/>
+            <a:ext cx="705240" cy="704880"/>
           </a:xfrm>
           <a:prstGeom prst="roundRect">
             <a:avLst>
@@ -6516,8 +6516,8 @@
         </p:nvSpPr>
         <p:spPr>
           <a:xfrm rot="19228200">
-            <a:off x="5847120" y="-2267640"/>
-            <a:ext cx="4856400" cy="7727400"/>
+            <a:off x="5847120" y="-2267280"/>
+            <a:ext cx="4856040" cy="7727040"/>
           </a:xfrm>
           <a:prstGeom prst="roundRect">
             <a:avLst>
@@ -6555,9 +6555,9 @@
         <p:grpSpPr>
           <a:xfrm>
             <a:off x="4571640" y="828000"/>
-            <a:ext cx="4469400" cy="3565440"/>
+            <a:ext cx="4469040" cy="3565080"/>
             <a:chOff x="4571640" y="828000"/>
-            <a:chExt cx="4469400" cy="3565440"/>
+            <a:chExt cx="4469040" cy="3565080"/>
           </a:xfrm>
         </p:grpSpPr>
         <p:pic>
@@ -6573,7 +6573,7 @@
           <p:spPr>
             <a:xfrm>
               <a:off x="4571640" y="828000"/>
-              <a:ext cx="4469400" cy="3565440"/>
+              <a:ext cx="4469040" cy="3565080"/>
             </a:xfrm>
             <a:prstGeom prst="rect">
               <a:avLst/>
@@ -6591,8 +6591,8 @@
           </p:nvSpPr>
           <p:spPr>
             <a:xfrm rot="16200000">
-              <a:off x="5962680" y="1157760"/>
-              <a:ext cx="1738440" cy="2772360"/>
+              <a:off x="5962680" y="1158120"/>
+              <a:ext cx="1738080" cy="2772000"/>
             </a:xfrm>
             <a:prstGeom prst="roundRect">
               <a:avLst>
@@ -6659,7 +6659,7 @@
         <p:spPr>
           <a:xfrm>
             <a:off x="586440" y="1246680"/>
-            <a:ext cx="4005360" cy="3601080"/>
+            <a:ext cx="4005000" cy="3600720"/>
           </a:xfrm>
           <a:prstGeom prst="rect">
             <a:avLst/>
@@ -6711,7 +6711,7 @@
         <p:spPr>
           <a:xfrm>
             <a:off x="5446080" y="1672200"/>
-            <a:ext cx="2781360" cy="1738440"/>
+            <a:ext cx="2781000" cy="1738080"/>
           </a:xfrm>
           <a:prstGeom prst="rect">
             <a:avLst/>
@@ -6763,7 +6763,7 @@
         <p:spPr>
           <a:xfrm>
             <a:off x="586440" y="453960"/>
-            <a:ext cx="3697920" cy="856440"/>
+            <a:ext cx="3697560" cy="856080"/>
           </a:xfrm>
           <a:prstGeom prst="rect">
             <a:avLst/>
@@ -6852,7 +6852,7 @@
         <p:spPr>
           <a:xfrm>
             <a:off x="4222080" y="1246680"/>
-            <a:ext cx="4116240" cy="3601080"/>
+            <a:ext cx="4115880" cy="3600720"/>
           </a:xfrm>
           <a:prstGeom prst="rect">
             <a:avLst/>
@@ -6903,8 +6903,8 @@
         </p:nvSpPr>
         <p:spPr>
           <a:xfrm rot="16200000">
-            <a:off x="-2181600" y="1732320"/>
-            <a:ext cx="5145120" cy="1685160"/>
+            <a:off x="-2181600" y="1732680"/>
+            <a:ext cx="5144760" cy="1684800"/>
           </a:xfrm>
           <a:prstGeom prst="roundRect">
             <a:avLst>
@@ -6941,8 +6941,8 @@
         </p:nvSpPr>
         <p:spPr>
           <a:xfrm rot="2745000">
-            <a:off x="8575200" y="104760"/>
-            <a:ext cx="1133640" cy="1133280"/>
+            <a:off x="8575200" y="104400"/>
+            <a:ext cx="1133280" cy="1132920"/>
           </a:xfrm>
           <a:prstGeom prst="roundRect">
             <a:avLst>
@@ -6979,8 +6979,8 @@
         </p:nvSpPr>
         <p:spPr>
           <a:xfrm rot="16200000">
-            <a:off x="614880" y="917640"/>
-            <a:ext cx="3233160" cy="3314880"/>
+            <a:off x="614880" y="918000"/>
+            <a:ext cx="3232800" cy="3314520"/>
           </a:xfrm>
           <a:prstGeom prst="roundRect">
             <a:avLst>
@@ -7046,7 +7046,7 @@
         <p:spPr>
           <a:xfrm>
             <a:off x="4214160" y="456120"/>
-            <a:ext cx="4113000" cy="856440"/>
+            <a:ext cx="4112640" cy="856080"/>
           </a:xfrm>
           <a:prstGeom prst="rect">
             <a:avLst/>
@@ -7134,8 +7134,8 @@
         </p:nvSpPr>
         <p:spPr>
           <a:xfrm rot="2744400">
-            <a:off x="-282240" y="-25920"/>
-            <a:ext cx="705600" cy="705240"/>
+            <a:off x="-281880" y="-25920"/>
+            <a:ext cx="705240" cy="704880"/>
           </a:xfrm>
           <a:prstGeom prst="roundRect">
             <a:avLst>
@@ -7173,7 +7173,7 @@
         <p:spPr>
           <a:xfrm>
             <a:off x="569160" y="1888920"/>
-            <a:ext cx="4822200" cy="820800"/>
+            <a:ext cx="4821840" cy="820800"/>
           </a:xfrm>
           <a:prstGeom prst="rect">
             <a:avLst/>
@@ -7224,8 +7224,8 @@
         </p:nvSpPr>
         <p:spPr>
           <a:xfrm rot="18679800">
-            <a:off x="6783120" y="457560"/>
-            <a:ext cx="6251760" cy="4667400"/>
+            <a:off x="6782760" y="457560"/>
+            <a:ext cx="6251400" cy="4667040"/>
           </a:xfrm>
           <a:prstGeom prst="roundRect">
             <a:avLst>
@@ -7262,8 +7262,8 @@
         </p:nvSpPr>
         <p:spPr>
           <a:xfrm rot="2625600">
-            <a:off x="6024960" y="4333680"/>
-            <a:ext cx="469440" cy="469440"/>
+            <a:off x="6024960" y="4333320"/>
+            <a:ext cx="469080" cy="469080"/>
           </a:xfrm>
           <a:prstGeom prst="roundRect">
             <a:avLst>
@@ -7301,7 +7301,7 @@
         <p:spPr>
           <a:xfrm>
             <a:off x="1640880" y="4592880"/>
-            <a:ext cx="2996640" cy="267480"/>
+            <a:ext cx="2996280" cy="267120"/>
           </a:xfrm>
           <a:prstGeom prst="rect">
             <a:avLst/>
@@ -7363,7 +7363,7 @@
         <p:spPr>
           <a:xfrm>
             <a:off x="867240" y="3590280"/>
-            <a:ext cx="254520" cy="254880"/>
+            <a:ext cx="254160" cy="254520"/>
           </a:xfrm>
           <a:prstGeom prst="ellipse">
             <a:avLst/>
@@ -7398,7 +7398,7 @@
         <p:spPr>
           <a:xfrm>
             <a:off x="351000" y="3793320"/>
-            <a:ext cx="1287000" cy="1132560"/>
+            <a:ext cx="1286640" cy="1132200"/>
           </a:xfrm>
           <a:prstGeom prst="rect">
             <a:avLst/>
@@ -7447,7 +7447,7 @@
         <p:spPr>
           <a:xfrm>
             <a:off x="586440" y="1246680"/>
-            <a:ext cx="4005360" cy="3601080"/>
+            <a:ext cx="4005000" cy="3600720"/>
           </a:xfrm>
           <a:prstGeom prst="rect">
             <a:avLst/>
@@ -7499,7 +7499,7 @@
         <p:spPr>
           <a:xfrm>
             <a:off x="559800" y="446040"/>
-            <a:ext cx="4284720" cy="684720"/>
+            <a:ext cx="4284360" cy="684360"/>
           </a:xfrm>
           <a:prstGeom prst="rect">
             <a:avLst/>
@@ -7551,7 +7551,7 @@
         <p:spPr>
           <a:xfrm>
             <a:off x="5097600" y="360"/>
-            <a:ext cx="4380840" cy="5145120"/>
+            <a:ext cx="4380480" cy="5144760"/>
           </a:xfrm>
           <a:prstGeom prst="roundRect">
             <a:avLst>
@@ -7616,8 +7616,8 @@
         </p:nvSpPr>
         <p:spPr>
           <a:xfrm rot="2744400">
-            <a:off x="-282240" y="-25920"/>
-            <a:ext cx="705600" cy="705240"/>
+            <a:off x="-281880" y="-25920"/>
+            <a:ext cx="705240" cy="704880"/>
           </a:xfrm>
           <a:prstGeom prst="roundRect">
             <a:avLst>
@@ -7654,8 +7654,8 @@
         </p:nvSpPr>
         <p:spPr>
           <a:xfrm rot="2625600">
-            <a:off x="4861080" y="4147560"/>
-            <a:ext cx="469440" cy="469440"/>
+            <a:off x="4861080" y="4147200"/>
+            <a:ext cx="469080" cy="469080"/>
           </a:xfrm>
           <a:prstGeom prst="roundRect">
             <a:avLst>
@@ -7729,8 +7729,8 @@
         </p:nvSpPr>
         <p:spPr>
           <a:xfrm rot="2744400">
-            <a:off x="-351360" y="4541040"/>
-            <a:ext cx="705600" cy="705240"/>
+            <a:off x="-351000" y="4540680"/>
+            <a:ext cx="705240" cy="704880"/>
           </a:xfrm>
           <a:prstGeom prst="roundRect">
             <a:avLst>
@@ -7767,8 +7767,8 @@
         </p:nvSpPr>
         <p:spPr>
           <a:xfrm rot="19228200">
-            <a:off x="5847120" y="-2267640"/>
-            <a:ext cx="4856400" cy="7727400"/>
+            <a:off x="5847120" y="-2267280"/>
+            <a:ext cx="4856040" cy="7727040"/>
           </a:xfrm>
           <a:prstGeom prst="roundRect">
             <a:avLst>
@@ -7806,9 +7806,9 @@
         <p:grpSpPr>
           <a:xfrm>
             <a:off x="4571640" y="828000"/>
-            <a:ext cx="4469400" cy="3565440"/>
+            <a:ext cx="4469040" cy="3565080"/>
             <a:chOff x="4571640" y="828000"/>
-            <a:chExt cx="4469400" cy="3565440"/>
+            <a:chExt cx="4469040" cy="3565080"/>
           </a:xfrm>
         </p:grpSpPr>
         <p:pic>
@@ -7824,7 +7824,7 @@
           <p:spPr>
             <a:xfrm>
               <a:off x="4571640" y="828000"/>
-              <a:ext cx="4469400" cy="3565440"/>
+              <a:ext cx="4469040" cy="3565080"/>
             </a:xfrm>
             <a:prstGeom prst="rect">
               <a:avLst/>
@@ -7842,8 +7842,8 @@
           </p:nvSpPr>
           <p:spPr>
             <a:xfrm rot="16200000">
-              <a:off x="5962680" y="1157760"/>
-              <a:ext cx="1738440" cy="2772360"/>
+              <a:off x="5962680" y="1158120"/>
+              <a:ext cx="1738080" cy="2772000"/>
             </a:xfrm>
             <a:prstGeom prst="roundRect">
               <a:avLst>
@@ -7910,7 +7910,7 @@
         <p:spPr>
           <a:xfrm>
             <a:off x="586440" y="1246680"/>
-            <a:ext cx="4005360" cy="3601080"/>
+            <a:ext cx="4005000" cy="3600720"/>
           </a:xfrm>
           <a:prstGeom prst="rect">
             <a:avLst/>
@@ -7962,7 +7962,7 @@
         <p:spPr>
           <a:xfrm>
             <a:off x="5446080" y="1672200"/>
-            <a:ext cx="2781360" cy="1738440"/>
+            <a:ext cx="2781000" cy="1738080"/>
           </a:xfrm>
           <a:prstGeom prst="rect">
             <a:avLst/>
@@ -8014,7 +8014,7 @@
         <p:spPr>
           <a:xfrm>
             <a:off x="586440" y="453960"/>
-            <a:ext cx="3697920" cy="856440"/>
+            <a:ext cx="3697560" cy="856080"/>
           </a:xfrm>
           <a:prstGeom prst="rect">
             <a:avLst/>
@@ -8103,7 +8103,7 @@
         <p:spPr>
           <a:xfrm>
             <a:off x="4222080" y="1246680"/>
-            <a:ext cx="4116240" cy="3601080"/>
+            <a:ext cx="4115880" cy="3600720"/>
           </a:xfrm>
           <a:prstGeom prst="rect">
             <a:avLst/>
@@ -8154,8 +8154,8 @@
         </p:nvSpPr>
         <p:spPr>
           <a:xfrm rot="16200000">
-            <a:off x="-2181600" y="1732320"/>
-            <a:ext cx="5145120" cy="1685160"/>
+            <a:off x="-2181600" y="1732680"/>
+            <a:ext cx="5144760" cy="1684800"/>
           </a:xfrm>
           <a:prstGeom prst="roundRect">
             <a:avLst>
@@ -8192,8 +8192,8 @@
         </p:nvSpPr>
         <p:spPr>
           <a:xfrm rot="2745000">
-            <a:off x="8575200" y="104760"/>
-            <a:ext cx="1133640" cy="1133280"/>
+            <a:off x="8575200" y="104400"/>
+            <a:ext cx="1133280" cy="1132920"/>
           </a:xfrm>
           <a:prstGeom prst="roundRect">
             <a:avLst>
@@ -8230,8 +8230,8 @@
         </p:nvSpPr>
         <p:spPr>
           <a:xfrm rot="16200000">
-            <a:off x="614880" y="917640"/>
-            <a:ext cx="3233160" cy="3314880"/>
+            <a:off x="614880" y="918000"/>
+            <a:ext cx="3232800" cy="3314520"/>
           </a:xfrm>
           <a:prstGeom prst="roundRect">
             <a:avLst>
@@ -8297,7 +8297,7 @@
         <p:spPr>
           <a:xfrm>
             <a:off x="4214160" y="456120"/>
-            <a:ext cx="4113000" cy="856440"/>
+            <a:ext cx="4112640" cy="856080"/>
           </a:xfrm>
           <a:prstGeom prst="rect">
             <a:avLst/>
@@ -8385,8 +8385,8 @@
         </p:nvSpPr>
         <p:spPr>
           <a:xfrm rot="2744400">
-            <a:off x="-282240" y="-25920"/>
-            <a:ext cx="705600" cy="705240"/>
+            <a:off x="-281880" y="-25920"/>
+            <a:ext cx="705240" cy="704880"/>
           </a:xfrm>
           <a:prstGeom prst="roundRect">
             <a:avLst>
@@ -8424,7 +8424,7 @@
         <p:spPr>
           <a:xfrm rot="2332200">
             <a:off x="6009480" y="-320040"/>
-            <a:ext cx="4856760" cy="7727760"/>
+            <a:ext cx="4856400" cy="7727400"/>
           </a:xfrm>
           <a:prstGeom prst="roundRect">
             <a:avLst>
@@ -8462,9 +8462,9 @@
         <p:grpSpPr>
           <a:xfrm>
             <a:off x="4571640" y="828000"/>
-            <a:ext cx="4469400" cy="3565440"/>
+            <a:ext cx="4469040" cy="3565080"/>
             <a:chOff x="4571640" y="828000"/>
-            <a:chExt cx="4469400" cy="3565440"/>
+            <a:chExt cx="4469040" cy="3565080"/>
           </a:xfrm>
         </p:grpSpPr>
         <p:pic>
@@ -8480,7 +8480,7 @@
           <p:spPr>
             <a:xfrm>
               <a:off x="4571640" y="828000"/>
-              <a:ext cx="4469400" cy="3565440"/>
+              <a:ext cx="4469040" cy="3565080"/>
             </a:xfrm>
             <a:prstGeom prst="rect">
               <a:avLst/>
@@ -8498,8 +8498,8 @@
           </p:nvSpPr>
           <p:spPr>
             <a:xfrm rot="16200000">
-              <a:off x="5962680" y="1157760"/>
-              <a:ext cx="1738440" cy="2772360"/>
+              <a:off x="5962680" y="1158120"/>
+              <a:ext cx="1738080" cy="2772000"/>
             </a:xfrm>
             <a:prstGeom prst="roundRect">
               <a:avLst>
@@ -8566,7 +8566,7 @@
         <p:spPr>
           <a:xfrm>
             <a:off x="5446080" y="1672200"/>
-            <a:ext cx="2772000" cy="1738440"/>
+            <a:ext cx="2771640" cy="1738080"/>
           </a:xfrm>
           <a:prstGeom prst="rect">
             <a:avLst/>
@@ -8618,7 +8618,7 @@
         <p:spPr>
           <a:xfrm>
             <a:off x="586440" y="1246680"/>
-            <a:ext cx="4005360" cy="3601080"/>
+            <a:ext cx="4005000" cy="3600720"/>
           </a:xfrm>
           <a:prstGeom prst="rect">
             <a:avLst/>
@@ -8670,7 +8670,7 @@
         <p:spPr>
           <a:xfrm>
             <a:off x="586440" y="453960"/>
-            <a:ext cx="4765320" cy="856440"/>
+            <a:ext cx="4764960" cy="856080"/>
           </a:xfrm>
           <a:prstGeom prst="rect">
             <a:avLst/>
@@ -8758,8 +8758,8 @@
         </p:nvSpPr>
         <p:spPr>
           <a:xfrm rot="2745600">
-            <a:off x="8349840" y="-668520"/>
-            <a:ext cx="1499400" cy="1499400"/>
+            <a:off x="8349840" y="-668160"/>
+            <a:ext cx="1499040" cy="1499040"/>
           </a:xfrm>
           <a:prstGeom prst="roundRect">
             <a:avLst>
@@ -8797,7 +8797,7 @@
         <p:spPr>
           <a:xfrm rot="2745600">
             <a:off x="7634160" y="-322920"/>
-            <a:ext cx="808200" cy="808560"/>
+            <a:ext cx="807840" cy="808200"/>
           </a:xfrm>
           <a:prstGeom prst="roundRect">
             <a:avLst>
@@ -8836,7 +8836,7 @@
         <p:spPr>
           <a:xfrm>
             <a:off x="586440" y="899640"/>
-            <a:ext cx="7932960" cy="1538280"/>
+            <a:ext cx="7932600" cy="1537920"/>
           </a:xfrm>
           <a:prstGeom prst="rect">
             <a:avLst/>
@@ -8888,7 +8888,7 @@
         <p:spPr>
           <a:xfrm>
             <a:off x="608040" y="2545560"/>
-            <a:ext cx="3713400" cy="2256840"/>
+            <a:ext cx="3713040" cy="2256480"/>
           </a:xfrm>
           <a:prstGeom prst="rect">
             <a:avLst/>
@@ -8940,7 +8940,7 @@
         <p:spPr>
           <a:xfrm>
             <a:off x="4806360" y="2545560"/>
-            <a:ext cx="3713400" cy="2256840"/>
+            <a:ext cx="3713040" cy="2256480"/>
           </a:xfrm>
           <a:prstGeom prst="rect">
             <a:avLst/>
@@ -8992,7 +8992,7 @@
         <p:spPr>
           <a:xfrm>
             <a:off x="583200" y="450720"/>
-            <a:ext cx="7199280" cy="513360"/>
+            <a:ext cx="7198920" cy="513000"/>
           </a:xfrm>
           <a:prstGeom prst="rect">
             <a:avLst/>
@@ -9074,7 +9074,7 @@
         <p:spPr>
           <a:xfrm>
             <a:off x="586440" y="1246680"/>
-            <a:ext cx="4005360" cy="3601080"/>
+            <a:ext cx="4005000" cy="3600720"/>
           </a:xfrm>
           <a:prstGeom prst="rect">
             <a:avLst/>
@@ -9126,7 +9126,7 @@
         <p:spPr>
           <a:xfrm>
             <a:off x="559800" y="446040"/>
-            <a:ext cx="4284720" cy="684720"/>
+            <a:ext cx="4284360" cy="684360"/>
           </a:xfrm>
           <a:prstGeom prst="rect">
             <a:avLst/>
@@ -9178,7 +9178,7 @@
         <p:spPr>
           <a:xfrm>
             <a:off x="5097600" y="360"/>
-            <a:ext cx="4380840" cy="5145120"/>
+            <a:ext cx="4380480" cy="5144760"/>
           </a:xfrm>
           <a:prstGeom prst="roundRect">
             <a:avLst>
@@ -9243,8 +9243,8 @@
         </p:nvSpPr>
         <p:spPr>
           <a:xfrm rot="2744400">
-            <a:off x="-282240" y="-25920"/>
-            <a:ext cx="705600" cy="705240"/>
+            <a:off x="-281880" y="-25920"/>
+            <a:ext cx="705240" cy="704880"/>
           </a:xfrm>
           <a:prstGeom prst="roundRect">
             <a:avLst>
@@ -9281,8 +9281,8 @@
         </p:nvSpPr>
         <p:spPr>
           <a:xfrm rot="2625600">
-            <a:off x="4861080" y="4147560"/>
-            <a:ext cx="469440" cy="469440"/>
+            <a:off x="4861080" y="4147200"/>
+            <a:ext cx="469080" cy="469080"/>
           </a:xfrm>
           <a:prstGeom prst="roundRect">
             <a:avLst>
@@ -9356,8 +9356,8 @@
         </p:nvSpPr>
         <p:spPr>
           <a:xfrm rot="2744400">
-            <a:off x="-351360" y="4541040"/>
-            <a:ext cx="705600" cy="705240"/>
+            <a:off x="-351000" y="4540680"/>
+            <a:ext cx="705240" cy="704880"/>
           </a:xfrm>
           <a:prstGeom prst="roundRect">
             <a:avLst>
@@ -9394,8 +9394,8 @@
         </p:nvSpPr>
         <p:spPr>
           <a:xfrm rot="19228200">
-            <a:off x="5847120" y="-2267640"/>
-            <a:ext cx="4856400" cy="7727400"/>
+            <a:off x="5847120" y="-2267280"/>
+            <a:ext cx="4856040" cy="7727040"/>
           </a:xfrm>
           <a:prstGeom prst="roundRect">
             <a:avLst>
@@ -9433,9 +9433,9 @@
         <p:grpSpPr>
           <a:xfrm>
             <a:off x="4571640" y="828000"/>
-            <a:ext cx="4469400" cy="3565440"/>
+            <a:ext cx="4469040" cy="3565080"/>
             <a:chOff x="4571640" y="828000"/>
-            <a:chExt cx="4469400" cy="3565440"/>
+            <a:chExt cx="4469040" cy="3565080"/>
           </a:xfrm>
         </p:grpSpPr>
         <p:pic>
@@ -9451,7 +9451,7 @@
           <p:spPr>
             <a:xfrm>
               <a:off x="4571640" y="828000"/>
-              <a:ext cx="4469400" cy="3565440"/>
+              <a:ext cx="4469040" cy="3565080"/>
             </a:xfrm>
             <a:prstGeom prst="rect">
               <a:avLst/>
@@ -9469,8 +9469,8 @@
           </p:nvSpPr>
           <p:spPr>
             <a:xfrm rot="16200000">
-              <a:off x="5962680" y="1157760"/>
-              <a:ext cx="1738440" cy="2772360"/>
+              <a:off x="5962680" y="1158120"/>
+              <a:ext cx="1738080" cy="2772000"/>
             </a:xfrm>
             <a:prstGeom prst="roundRect">
               <a:avLst>
@@ -9537,7 +9537,7 @@
         <p:spPr>
           <a:xfrm>
             <a:off x="586440" y="1246680"/>
-            <a:ext cx="4005360" cy="3601080"/>
+            <a:ext cx="4005000" cy="3600720"/>
           </a:xfrm>
           <a:prstGeom prst="rect">
             <a:avLst/>
@@ -9589,7 +9589,7 @@
         <p:spPr>
           <a:xfrm>
             <a:off x="5446080" y="1672200"/>
-            <a:ext cx="2781360" cy="1738440"/>
+            <a:ext cx="2781000" cy="1738080"/>
           </a:xfrm>
           <a:prstGeom prst="rect">
             <a:avLst/>
@@ -9641,7 +9641,7 @@
         <p:spPr>
           <a:xfrm>
             <a:off x="586440" y="453960"/>
-            <a:ext cx="3697920" cy="856440"/>
+            <a:ext cx="3697560" cy="856080"/>
           </a:xfrm>
           <a:prstGeom prst="rect">
             <a:avLst/>
@@ -9730,7 +9730,7 @@
         <p:spPr>
           <a:xfrm>
             <a:off x="4222080" y="1246680"/>
-            <a:ext cx="4116240" cy="3601080"/>
+            <a:ext cx="4115880" cy="3600720"/>
           </a:xfrm>
           <a:prstGeom prst="rect">
             <a:avLst/>
@@ -9781,8 +9781,8 @@
         </p:nvSpPr>
         <p:spPr>
           <a:xfrm rot="16200000">
-            <a:off x="-2181600" y="1732320"/>
-            <a:ext cx="5145120" cy="1685160"/>
+            <a:off x="-2181600" y="1732680"/>
+            <a:ext cx="5144760" cy="1684800"/>
           </a:xfrm>
           <a:prstGeom prst="roundRect">
             <a:avLst>
@@ -9819,8 +9819,8 @@
         </p:nvSpPr>
         <p:spPr>
           <a:xfrm rot="2745000">
-            <a:off x="8575200" y="104760"/>
-            <a:ext cx="1133640" cy="1133280"/>
+            <a:off x="8575200" y="104400"/>
+            <a:ext cx="1133280" cy="1132920"/>
           </a:xfrm>
           <a:prstGeom prst="roundRect">
             <a:avLst>
@@ -9857,8 +9857,8 @@
         </p:nvSpPr>
         <p:spPr>
           <a:xfrm rot="16200000">
-            <a:off x="614880" y="917640"/>
-            <a:ext cx="3233160" cy="3314880"/>
+            <a:off x="614880" y="918000"/>
+            <a:ext cx="3232800" cy="3314520"/>
           </a:xfrm>
           <a:prstGeom prst="roundRect">
             <a:avLst>
@@ -9924,7 +9924,7 @@
         <p:spPr>
           <a:xfrm>
             <a:off x="4214160" y="456120"/>
-            <a:ext cx="4113000" cy="856440"/>
+            <a:ext cx="4112640" cy="856080"/>
           </a:xfrm>
           <a:prstGeom prst="rect">
             <a:avLst/>
